--- a/Análisis de Redes en la Facultad de Economía.pptx
+++ b/Análisis de Redes en la Facultad de Economía.pptx
@@ -4203,7 +4203,15 @@
           <a:p>
             <a:r>
               <a:rPr lang="es-ES" dirty="0" smtClean="0"/>
-              <a:t>Efecto grande del rendimiento de la red intrumentado sobre el promedio de cadaa estudiante.</a:t>
+              <a:t>Efecto grande del rendimiento de la red intrumentado sobre el promedio de </a:t>
+            </a:r>
+            <a:r>
+              <a:rPr lang="es-ES" dirty="0" smtClean="0"/>
+              <a:t>cada </a:t>
+            </a:r>
+            <a:r>
+              <a:rPr lang="es-ES" dirty="0" smtClean="0"/>
+              <a:t>estudiante.</a:t>
             </a:r>
           </a:p>
           <a:p>
@@ -4215,8 +4223,17 @@
           <a:p>
             <a:r>
               <a:rPr lang="es-ES" dirty="0" smtClean="0"/>
-              <a:t>Implementación una política de asignación de los alumnos dependiendo de su desempeño académico</a:t>
-            </a:r>
+              <a:t>Implementación una política de asignación de los alumnos dependiendo de su desempeño </a:t>
+            </a:r>
+            <a:r>
+              <a:rPr lang="es-ES" dirty="0" smtClean="0"/>
+              <a:t>académico en la universidad </a:t>
+            </a:r>
+            <a:r>
+              <a:rPr lang="es-ES" smtClean="0"/>
+              <a:t>del Rosario</a:t>
+            </a:r>
+            <a:endParaRPr lang="es-ES" dirty="0" smtClean="0"/>
           </a:p>
           <a:p>
             <a:endParaRPr lang="es-ES" dirty="0" smtClean="0"/>
